--- a/docs/presentatie/Project Containing.pptx
+++ b/docs/presentatie/Project Containing.pptx
@@ -110,6 +110,11 @@
       </a:defRPr>
     </a:lvl9pPr>
   </p:defaultTextStyle>
+  <p:extLst>
+    <p:ext uri="{EFAFB233-063F-42B5-8137-9DF3F51BA10A}">
+      <p15:sldGuideLst xmlns:p15="http://schemas.microsoft.com/office/powerpoint/2012/main"/>
+    </p:ext>
+  </p:extLst>
 </p:presentation>
 </file>
 
@@ -664,7 +669,7 @@
             <a:fld id="{D57F1E4F-1CFF-5643-939E-217C01CDF565}" type="slidenum">
               <a:rPr lang="en-US" dirty="0"/>
               <a:pPr/>
-              <a:t>‹nr.›</a:t>
+              <a:t>‹#›</a:t>
             </a:fld>
             <a:endParaRPr lang="en-US" dirty="0"/>
           </a:p>
@@ -952,7 +957,7 @@
             <a:fld id="{D57F1E4F-1CFF-5643-939E-217C01CDF565}" type="slidenum">
               <a:rPr lang="en-US" dirty="0"/>
               <a:pPr/>
-              <a:t>‹nr.›</a:t>
+              <a:t>‹#›</a:t>
             </a:fld>
             <a:endParaRPr lang="en-US" dirty="0"/>
           </a:p>
@@ -1197,7 +1202,7 @@
             <a:fld id="{D57F1E4F-1CFF-5643-939E-217C01CDF565}" type="slidenum">
               <a:rPr lang="en-US" dirty="0"/>
               <a:pPr/>
-              <a:t>‹nr.›</a:t>
+              <a:t>‹#›</a:t>
             </a:fld>
             <a:endParaRPr lang="en-US" dirty="0"/>
           </a:p>
@@ -1734,7 +1739,7 @@
             <a:fld id="{D57F1E4F-1CFF-5643-939E-217C01CDF565}" type="slidenum">
               <a:rPr lang="en-US" dirty="0"/>
               <a:pPr/>
-              <a:t>‹nr.›</a:t>
+              <a:t>‹#›</a:t>
             </a:fld>
             <a:endParaRPr lang="en-US" dirty="0"/>
           </a:p>
@@ -1979,7 +1984,7 @@
             <a:fld id="{D57F1E4F-1CFF-5643-939E-217C01CDF565}" type="slidenum">
               <a:rPr lang="en-US" dirty="0"/>
               <a:pPr/>
-              <a:t>‹nr.›</a:t>
+              <a:t>‹#›</a:t>
             </a:fld>
             <a:endParaRPr lang="en-US" dirty="0"/>
           </a:p>
@@ -2508,7 +2513,7 @@
             <a:fld id="{D57F1E4F-1CFF-5643-939E-217C01CDF565}" type="slidenum">
               <a:rPr lang="en-US" dirty="0"/>
               <a:pPr/>
-              <a:t>‹nr.›</a:t>
+              <a:t>‹#›</a:t>
             </a:fld>
             <a:endParaRPr lang="en-US" dirty="0"/>
           </a:p>
@@ -2802,7 +2807,7 @@
             <a:fld id="{D57F1E4F-1CFF-5643-939E-217C01CDF565}" type="slidenum">
               <a:rPr lang="en-US" dirty="0"/>
               <a:pPr/>
-              <a:t>‹nr.›</a:t>
+              <a:t>‹#›</a:t>
             </a:fld>
             <a:endParaRPr lang="en-US" dirty="0"/>
           </a:p>
@@ -2973,7 +2978,7 @@
             <a:fld id="{D57F1E4F-1CFF-5643-939E-217C01CDF565}" type="slidenum">
               <a:rPr lang="en-US" dirty="0"/>
               <a:pPr/>
-              <a:t>‹nr.›</a:t>
+              <a:t>‹#›</a:t>
             </a:fld>
             <a:endParaRPr lang="en-US" dirty="0"/>
           </a:p>
@@ -3150,7 +3155,7 @@
             <a:fld id="{D57F1E4F-1CFF-5643-939E-217C01CDF565}" type="slidenum">
               <a:rPr lang="en-US" dirty="0"/>
               <a:pPr/>
-              <a:t>‹nr.›</a:t>
+              <a:t>‹#›</a:t>
             </a:fld>
             <a:endParaRPr lang="en-US" dirty="0"/>
           </a:p>
@@ -3322,7 +3327,7 @@
             <a:fld id="{D57F1E4F-1CFF-5643-939E-217C01CDF565}" type="slidenum">
               <a:rPr lang="en-US" dirty="0"/>
               <a:pPr/>
-              <a:t>‹nr.›</a:t>
+              <a:t>‹#›</a:t>
             </a:fld>
             <a:endParaRPr lang="en-US" dirty="0"/>
           </a:p>
@@ -3565,7 +3570,7 @@
             <a:fld id="{D57F1E4F-1CFF-5643-939E-217C01CDF565}" type="slidenum">
               <a:rPr lang="en-US" dirty="0"/>
               <a:pPr/>
-              <a:t>‹nr.›</a:t>
+              <a:t>‹#›</a:t>
             </a:fld>
             <a:endParaRPr lang="en-US" dirty="0"/>
           </a:p>
@@ -3859,7 +3864,7 @@
             <a:fld id="{D57F1E4F-1CFF-5643-939E-217C01CDF565}" type="slidenum">
               <a:rPr lang="en-US" dirty="0"/>
               <a:pPr/>
-              <a:t>‹nr.›</a:t>
+              <a:t>‹#›</a:t>
             </a:fld>
             <a:endParaRPr lang="en-US" dirty="0"/>
           </a:p>
@@ -4298,7 +4303,7 @@
             <a:fld id="{D57F1E4F-1CFF-5643-939E-217C01CDF565}" type="slidenum">
               <a:rPr lang="en-US" dirty="0"/>
               <a:pPr/>
-              <a:t>‹nr.›</a:t>
+              <a:t>‹#›</a:t>
             </a:fld>
             <a:endParaRPr lang="en-US" dirty="0"/>
           </a:p>
@@ -4413,7 +4418,7 @@
             <a:fld id="{D57F1E4F-1CFF-5643-939E-217C01CDF565}" type="slidenum">
               <a:rPr lang="en-US" dirty="0"/>
               <a:pPr/>
-              <a:t>‹nr.›</a:t>
+              <a:t>‹#›</a:t>
             </a:fld>
             <a:endParaRPr lang="en-US" dirty="0"/>
           </a:p>
@@ -4505,7 +4510,7 @@
             <a:fld id="{D57F1E4F-1CFF-5643-939E-217C01CDF565}" type="slidenum">
               <a:rPr lang="en-US" dirty="0"/>
               <a:pPr/>
-              <a:t>‹nr.›</a:t>
+              <a:t>‹#›</a:t>
             </a:fld>
             <a:endParaRPr lang="en-US" dirty="0"/>
           </a:p>
@@ -4785,7 +4790,7 @@
             <a:fld id="{D57F1E4F-1CFF-5643-939E-217C01CDF565}" type="slidenum">
               <a:rPr lang="en-US" dirty="0"/>
               <a:pPr/>
-              <a:t>‹nr.›</a:t>
+              <a:t>‹#›</a:t>
             </a:fld>
             <a:endParaRPr lang="en-US" dirty="0"/>
           </a:p>
@@ -5073,7 +5078,7 @@
             <a:fld id="{D57F1E4F-1CFF-5643-939E-217C01CDF565}" type="slidenum">
               <a:rPr lang="en-US" dirty="0"/>
               <a:pPr/>
-              <a:t>‹nr.›</a:t>
+              <a:t>‹#›</a:t>
             </a:fld>
             <a:endParaRPr lang="en-US" dirty="0"/>
           </a:p>
@@ -5636,7 +5641,7 @@
             <a:fld id="{D57F1E4F-1CFF-5643-939E-217C01CDF565}" type="slidenum">
               <a:rPr lang="en-US" dirty="0"/>
               <a:pPr/>
-              <a:t>‹nr.›</a:t>
+              <a:t>‹#›</a:t>
             </a:fld>
             <a:endParaRPr lang="en-US" dirty="0"/>
           </a:p>
@@ -6719,12 +6724,23 @@
             <p:ph idx="1"/>
           </p:nvPr>
         </p:nvSpPr>
-        <p:spPr/>
+        <p:spPr>
+          <a:xfrm>
+            <a:off x="5272216" y="3270422"/>
+            <a:ext cx="1667045" cy="1095632"/>
+          </a:xfrm>
+        </p:spPr>
         <p:txBody>
           <a:bodyPr/>
           <a:lstStyle/>
           <a:p>
-            <a:endParaRPr lang="nl-NL"/>
+            <a:r>
+              <a:rPr lang="nl-NL" dirty="0" smtClean="0">
+                <a:hlinkClick r:id="rId2"/>
+              </a:rPr>
+              <a:t>DEMO</a:t>
+            </a:r>
+            <a:endParaRPr lang="nl-NL" dirty="0"/>
           </a:p>
         </p:txBody>
       </p:sp>
